--- a/Tue-Thr/DS-Day-08 R.pptx
+++ b/Tue-Thr/DS-Day-08 R.pptx
@@ -5,14 +5,11 @@
     <p:sldMasterId id="2147483781" r:id="rId1"/>
   </p:sldMasterIdLst>
   <p:notesMasterIdLst>
-    <p:notesMasterId r:id="rId7"/>
+    <p:notesMasterId r:id="rId4"/>
   </p:notesMasterIdLst>
   <p:sldIdLst>
     <p:sldId id="280" r:id="rId2"/>
     <p:sldId id="277" r:id="rId3"/>
-    <p:sldId id="281" r:id="rId4"/>
-    <p:sldId id="282" r:id="rId5"/>
-    <p:sldId id="283" r:id="rId6"/>
   </p:sldIdLst>
   <p:sldSz cx="9144000" cy="6858000" type="screen4x3"/>
   <p:notesSz cx="6858000" cy="9144000"/>
@@ -664,312 +661,6 @@
     <p:extLst>
       <p:ext uri="{BB962C8B-B14F-4D97-AF65-F5344CB8AC3E}">
         <p14:creationId xmlns:p14="http://schemas.microsoft.com/office/powerpoint/2010/main" val="229772804"/>
-      </p:ext>
-    </p:extLst>
-  </p:cSld>
-  <p:clrMapOvr>
-    <a:masterClrMapping/>
-  </p:clrMapOvr>
-</p:notes>
-</file>
-
-<file path=ppt/notesSlides/notesSlide3.xml><?xml version="1.0" encoding="utf-8"?>
-<p:notes xmlns:a="http://schemas.openxmlformats.org/drawingml/2006/main" xmlns:r="http://schemas.openxmlformats.org/officeDocument/2006/relationships" xmlns:p="http://schemas.openxmlformats.org/presentationml/2006/main">
-  <p:cSld>
-    <p:spTree>
-      <p:nvGrpSpPr>
-        <p:cNvPr id="1" name=""/>
-        <p:cNvGrpSpPr/>
-        <p:nvPr/>
-      </p:nvGrpSpPr>
-      <p:grpSpPr>
-        <a:xfrm>
-          <a:off x="0" y="0"/>
-          <a:ext cx="0" cy="0"/>
-          <a:chOff x="0" y="0"/>
-          <a:chExt cx="0" cy="0"/>
-        </a:xfrm>
-      </p:grpSpPr>
-      <p:sp>
-        <p:nvSpPr>
-          <p:cNvPr id="2" name="Образ слайда 1"/>
-          <p:cNvSpPr>
-            <a:spLocks noGrp="1" noRot="1" noChangeAspect="1"/>
-          </p:cNvSpPr>
-          <p:nvPr>
-            <p:ph type="sldImg"/>
-          </p:nvPr>
-        </p:nvSpPr>
-        <p:spPr>
-          <a:xfrm>
-            <a:off x="896938" y="746125"/>
-            <a:ext cx="4967287" cy="3727450"/>
-          </a:xfrm>
-        </p:spPr>
-      </p:sp>
-      <p:sp>
-        <p:nvSpPr>
-          <p:cNvPr id="3" name="Заметки 2"/>
-          <p:cNvSpPr>
-            <a:spLocks noGrp="1"/>
-          </p:cNvSpPr>
-          <p:nvPr>
-            <p:ph type="body" idx="1"/>
-          </p:nvPr>
-        </p:nvSpPr>
-        <p:spPr/>
-        <p:txBody>
-          <a:bodyPr>
-            <a:normAutofit/>
-          </a:bodyPr>
-          <a:lstStyle/>
-          <a:p>
-            <a:endParaRPr lang="ru-RU" sz="1400" dirty="0">
-              <a:latin typeface="+mn-lt"/>
-            </a:endParaRPr>
-          </a:p>
-        </p:txBody>
-      </p:sp>
-      <p:sp>
-        <p:nvSpPr>
-          <p:cNvPr id="4" name="Номер слайда 3"/>
-          <p:cNvSpPr>
-            <a:spLocks noGrp="1"/>
-          </p:cNvSpPr>
-          <p:nvPr>
-            <p:ph type="sldNum" sz="quarter" idx="10"/>
-          </p:nvPr>
-        </p:nvSpPr>
-        <p:spPr/>
-        <p:txBody>
-          <a:bodyPr/>
-          <a:lstStyle/>
-          <a:p>
-            <a:fld id="{A868C670-7DD8-483E-B635-2FC3EA348D84}" type="slidenum">
-              <a:rPr lang="ru-RU" smtClean="0">
-                <a:solidFill>
-                  <a:prstClr val="black"/>
-                </a:solidFill>
-              </a:rPr>
-              <a:pPr/>
-              <a:t>3</a:t>
-            </a:fld>
-            <a:endParaRPr lang="ru-RU">
-              <a:solidFill>
-                <a:prstClr val="black"/>
-              </a:solidFill>
-            </a:endParaRPr>
-          </a:p>
-        </p:txBody>
-      </p:sp>
-    </p:spTree>
-    <p:extLst>
-      <p:ext uri="{BB962C8B-B14F-4D97-AF65-F5344CB8AC3E}">
-        <p14:creationId xmlns:p14="http://schemas.microsoft.com/office/powerpoint/2010/main" val="2254635175"/>
-      </p:ext>
-    </p:extLst>
-  </p:cSld>
-  <p:clrMapOvr>
-    <a:masterClrMapping/>
-  </p:clrMapOvr>
-</p:notes>
-</file>
-
-<file path=ppt/notesSlides/notesSlide4.xml><?xml version="1.0" encoding="utf-8"?>
-<p:notes xmlns:a="http://schemas.openxmlformats.org/drawingml/2006/main" xmlns:r="http://schemas.openxmlformats.org/officeDocument/2006/relationships" xmlns:p="http://schemas.openxmlformats.org/presentationml/2006/main">
-  <p:cSld>
-    <p:spTree>
-      <p:nvGrpSpPr>
-        <p:cNvPr id="1" name=""/>
-        <p:cNvGrpSpPr/>
-        <p:nvPr/>
-      </p:nvGrpSpPr>
-      <p:grpSpPr>
-        <a:xfrm>
-          <a:off x="0" y="0"/>
-          <a:ext cx="0" cy="0"/>
-          <a:chOff x="0" y="0"/>
-          <a:chExt cx="0" cy="0"/>
-        </a:xfrm>
-      </p:grpSpPr>
-      <p:sp>
-        <p:nvSpPr>
-          <p:cNvPr id="2" name="Образ слайда 1"/>
-          <p:cNvSpPr>
-            <a:spLocks noGrp="1" noRot="1" noChangeAspect="1"/>
-          </p:cNvSpPr>
-          <p:nvPr>
-            <p:ph type="sldImg"/>
-          </p:nvPr>
-        </p:nvSpPr>
-        <p:spPr>
-          <a:xfrm>
-            <a:off x="896938" y="746125"/>
-            <a:ext cx="4967287" cy="3727450"/>
-          </a:xfrm>
-        </p:spPr>
-      </p:sp>
-      <p:sp>
-        <p:nvSpPr>
-          <p:cNvPr id="3" name="Заметки 2"/>
-          <p:cNvSpPr>
-            <a:spLocks noGrp="1"/>
-          </p:cNvSpPr>
-          <p:nvPr>
-            <p:ph type="body" idx="1"/>
-          </p:nvPr>
-        </p:nvSpPr>
-        <p:spPr/>
-        <p:txBody>
-          <a:bodyPr>
-            <a:normAutofit/>
-          </a:bodyPr>
-          <a:lstStyle/>
-          <a:p>
-            <a:endParaRPr lang="ru-RU" sz="1400" dirty="0">
-              <a:latin typeface="+mn-lt"/>
-            </a:endParaRPr>
-          </a:p>
-        </p:txBody>
-      </p:sp>
-      <p:sp>
-        <p:nvSpPr>
-          <p:cNvPr id="4" name="Номер слайда 3"/>
-          <p:cNvSpPr>
-            <a:spLocks noGrp="1"/>
-          </p:cNvSpPr>
-          <p:nvPr>
-            <p:ph type="sldNum" sz="quarter" idx="10"/>
-          </p:nvPr>
-        </p:nvSpPr>
-        <p:spPr/>
-        <p:txBody>
-          <a:bodyPr/>
-          <a:lstStyle/>
-          <a:p>
-            <a:fld id="{A868C670-7DD8-483E-B635-2FC3EA348D84}" type="slidenum">
-              <a:rPr lang="ru-RU" smtClean="0">
-                <a:solidFill>
-                  <a:prstClr val="black"/>
-                </a:solidFill>
-              </a:rPr>
-              <a:pPr/>
-              <a:t>4</a:t>
-            </a:fld>
-            <a:endParaRPr lang="ru-RU">
-              <a:solidFill>
-                <a:prstClr val="black"/>
-              </a:solidFill>
-            </a:endParaRPr>
-          </a:p>
-        </p:txBody>
-      </p:sp>
-    </p:spTree>
-    <p:extLst>
-      <p:ext uri="{BB962C8B-B14F-4D97-AF65-F5344CB8AC3E}">
-        <p14:creationId xmlns:p14="http://schemas.microsoft.com/office/powerpoint/2010/main" val="1935537236"/>
-      </p:ext>
-    </p:extLst>
-  </p:cSld>
-  <p:clrMapOvr>
-    <a:masterClrMapping/>
-  </p:clrMapOvr>
-</p:notes>
-</file>
-
-<file path=ppt/notesSlides/notesSlide5.xml><?xml version="1.0" encoding="utf-8"?>
-<p:notes xmlns:a="http://schemas.openxmlformats.org/drawingml/2006/main" xmlns:r="http://schemas.openxmlformats.org/officeDocument/2006/relationships" xmlns:p="http://schemas.openxmlformats.org/presentationml/2006/main">
-  <p:cSld>
-    <p:spTree>
-      <p:nvGrpSpPr>
-        <p:cNvPr id="1" name=""/>
-        <p:cNvGrpSpPr/>
-        <p:nvPr/>
-      </p:nvGrpSpPr>
-      <p:grpSpPr>
-        <a:xfrm>
-          <a:off x="0" y="0"/>
-          <a:ext cx="0" cy="0"/>
-          <a:chOff x="0" y="0"/>
-          <a:chExt cx="0" cy="0"/>
-        </a:xfrm>
-      </p:grpSpPr>
-      <p:sp>
-        <p:nvSpPr>
-          <p:cNvPr id="2" name="Образ слайда 1"/>
-          <p:cNvSpPr>
-            <a:spLocks noGrp="1" noRot="1" noChangeAspect="1"/>
-          </p:cNvSpPr>
-          <p:nvPr>
-            <p:ph type="sldImg"/>
-          </p:nvPr>
-        </p:nvSpPr>
-        <p:spPr>
-          <a:xfrm>
-            <a:off x="896938" y="746125"/>
-            <a:ext cx="4967287" cy="3727450"/>
-          </a:xfrm>
-        </p:spPr>
-      </p:sp>
-      <p:sp>
-        <p:nvSpPr>
-          <p:cNvPr id="3" name="Заметки 2"/>
-          <p:cNvSpPr>
-            <a:spLocks noGrp="1"/>
-          </p:cNvSpPr>
-          <p:nvPr>
-            <p:ph type="body" idx="1"/>
-          </p:nvPr>
-        </p:nvSpPr>
-        <p:spPr/>
-        <p:txBody>
-          <a:bodyPr>
-            <a:normAutofit/>
-          </a:bodyPr>
-          <a:lstStyle/>
-          <a:p>
-            <a:endParaRPr lang="ru-RU" sz="1400" dirty="0">
-              <a:latin typeface="+mn-lt"/>
-            </a:endParaRPr>
-          </a:p>
-        </p:txBody>
-      </p:sp>
-      <p:sp>
-        <p:nvSpPr>
-          <p:cNvPr id="4" name="Номер слайда 3"/>
-          <p:cNvSpPr>
-            <a:spLocks noGrp="1"/>
-          </p:cNvSpPr>
-          <p:nvPr>
-            <p:ph type="sldNum" sz="quarter" idx="10"/>
-          </p:nvPr>
-        </p:nvSpPr>
-        <p:spPr/>
-        <p:txBody>
-          <a:bodyPr/>
-          <a:lstStyle/>
-          <a:p>
-            <a:fld id="{A868C670-7DD8-483E-B635-2FC3EA348D84}" type="slidenum">
-              <a:rPr lang="ru-RU" smtClean="0">
-                <a:solidFill>
-                  <a:prstClr val="black"/>
-                </a:solidFill>
-              </a:rPr>
-              <a:pPr/>
-              <a:t>5</a:t>
-            </a:fld>
-            <a:endParaRPr lang="ru-RU">
-              <a:solidFill>
-                <a:prstClr val="black"/>
-              </a:solidFill>
-            </a:endParaRPr>
-          </a:p>
-        </p:txBody>
-      </p:sp>
-    </p:spTree>
-    <p:extLst>
-      <p:ext uri="{BB962C8B-B14F-4D97-AF65-F5344CB8AC3E}">
-        <p14:creationId xmlns:p14="http://schemas.microsoft.com/office/powerpoint/2010/main" val="3952101757"/>
       </p:ext>
     </p:extLst>
   </p:cSld>
@@ -4598,1410 +4289,6 @@
     <p:extLst>
       <p:ext uri="{BB962C8B-B14F-4D97-AF65-F5344CB8AC3E}">
         <p14:creationId xmlns:p14="http://schemas.microsoft.com/office/powerpoint/2010/main" val="4069400614"/>
-      </p:ext>
-    </p:extLst>
-  </p:cSld>
-  <p:clrMapOvr>
-    <a:masterClrMapping/>
-  </p:clrMapOvr>
-  <p:timing>
-    <p:tnLst>
-      <p:par>
-        <p:cTn id="1" dur="indefinite" restart="never" nodeType="tmRoot"/>
-      </p:par>
-    </p:tnLst>
-  </p:timing>
-</p:sld>
-</file>
-
-<file path=ppt/slides/slide3.xml><?xml version="1.0" encoding="utf-8"?>
-<p:sld xmlns:a="http://schemas.openxmlformats.org/drawingml/2006/main" xmlns:r="http://schemas.openxmlformats.org/officeDocument/2006/relationships" xmlns:p="http://schemas.openxmlformats.org/presentationml/2006/main">
-  <p:cSld>
-    <p:spTree>
-      <p:nvGrpSpPr>
-        <p:cNvPr id="1" name=""/>
-        <p:cNvGrpSpPr/>
-        <p:nvPr/>
-      </p:nvGrpSpPr>
-      <p:grpSpPr>
-        <a:xfrm>
-          <a:off x="0" y="0"/>
-          <a:ext cx="0" cy="0"/>
-          <a:chOff x="0" y="0"/>
-          <a:chExt cx="0" cy="0"/>
-        </a:xfrm>
-      </p:grpSpPr>
-      <p:grpSp>
-        <p:nvGrpSpPr>
-          <p:cNvPr id="9" name="Группа 8"/>
-          <p:cNvGrpSpPr/>
-          <p:nvPr/>
-        </p:nvGrpSpPr>
-        <p:grpSpPr>
-          <a:xfrm>
-            <a:off x="240030" y="759941"/>
-            <a:ext cx="8583930" cy="83408"/>
-            <a:chOff x="240030" y="759941"/>
-            <a:chExt cx="8583930" cy="83408"/>
-          </a:xfrm>
-        </p:grpSpPr>
-        <p:cxnSp>
-          <p:nvCxnSpPr>
-            <p:cNvPr id="2" name="Прямая соединительная линия 1"/>
-            <p:cNvCxnSpPr/>
-            <p:nvPr/>
-          </p:nvCxnSpPr>
-          <p:spPr>
-            <a:xfrm>
-              <a:off x="560070" y="759941"/>
-              <a:ext cx="8263890" cy="0"/>
-            </a:xfrm>
-            <a:prstGeom prst="line">
-              <a:avLst/>
-            </a:prstGeom>
-            <a:ln w="76200" cap="flat" cmpd="sng" algn="ctr">
-              <a:solidFill>
-                <a:srgbClr val="0064B5"/>
-              </a:solidFill>
-              <a:prstDash val="solid"/>
-              <a:round/>
-              <a:headEnd type="none" w="med" len="sm"/>
-              <a:tailEnd type="none" w="med" len="sm"/>
-            </a:ln>
-          </p:spPr>
-          <p:style>
-            <a:lnRef idx="1">
-              <a:schemeClr val="accent1"/>
-            </a:lnRef>
-            <a:fillRef idx="0">
-              <a:schemeClr val="accent1"/>
-            </a:fillRef>
-            <a:effectRef idx="0">
-              <a:schemeClr val="accent1"/>
-            </a:effectRef>
-            <a:fontRef idx="minor">
-              <a:schemeClr val="tx1"/>
-            </a:fontRef>
-          </p:style>
-        </p:cxnSp>
-        <p:cxnSp>
-          <p:nvCxnSpPr>
-            <p:cNvPr id="3" name="Прямая соединительная линия 2"/>
-            <p:cNvCxnSpPr/>
-            <p:nvPr/>
-          </p:nvCxnSpPr>
-          <p:spPr>
-            <a:xfrm>
-              <a:off x="240030" y="843349"/>
-              <a:ext cx="8286750" cy="0"/>
-            </a:xfrm>
-            <a:prstGeom prst="line">
-              <a:avLst/>
-            </a:prstGeom>
-            <a:ln w="76200" cap="flat" cmpd="sng" algn="ctr">
-              <a:solidFill>
-                <a:srgbClr val="F5A200"/>
-              </a:solidFill>
-              <a:prstDash val="solid"/>
-              <a:round/>
-              <a:headEnd type="none" w="med" len="sm"/>
-              <a:tailEnd type="none" w="med" len="sm"/>
-            </a:ln>
-          </p:spPr>
-          <p:style>
-            <a:lnRef idx="1">
-              <a:schemeClr val="accent1"/>
-            </a:lnRef>
-            <a:fillRef idx="0">
-              <a:schemeClr val="accent1"/>
-            </a:fillRef>
-            <a:effectRef idx="0">
-              <a:schemeClr val="accent1"/>
-            </a:effectRef>
-            <a:fontRef idx="minor">
-              <a:schemeClr val="tx1"/>
-            </a:fontRef>
-          </p:style>
-        </p:cxnSp>
-      </p:grpSp>
-      <p:sp>
-        <p:nvSpPr>
-          <p:cNvPr id="5" name="TextBox 4"/>
-          <p:cNvSpPr txBox="1"/>
-          <p:nvPr/>
-        </p:nvSpPr>
-        <p:spPr>
-          <a:xfrm>
-            <a:off x="491506" y="135310"/>
-            <a:ext cx="8504712" cy="629326"/>
-          </a:xfrm>
-          <a:prstGeom prst="rect">
-            <a:avLst/>
-          </a:prstGeom>
-          <a:noFill/>
-        </p:spPr>
-        <p:txBody>
-          <a:bodyPr vert="horz" wrap="square" lIns="74600" tIns="37300" rIns="74600" bIns="37300" rtlCol="0">
-            <a:spAutoFit/>
-          </a:bodyPr>
-          <a:lstStyle/>
-          <a:p>
-            <a:r>
-              <a:rPr lang="ru-RU" sz="3600" b="1" dirty="0" smtClean="0">
-                <a:solidFill>
-                  <a:srgbClr val="0064B5"/>
-                </a:solidFill>
-                <a:latin typeface="Arial" pitchFamily="34" charset="0"/>
-                <a:cs typeface="Arial" pitchFamily="34" charset="0"/>
-              </a:rPr>
-              <a:t>Круговая диаграмма</a:t>
-            </a:r>
-            <a:endParaRPr lang="ru-RU" sz="3600" b="1" dirty="0">
-              <a:solidFill>
-                <a:srgbClr val="0064B5"/>
-              </a:solidFill>
-              <a:latin typeface="Arial" pitchFamily="34" charset="0"/>
-              <a:cs typeface="Arial" pitchFamily="34" charset="0"/>
-            </a:endParaRPr>
-          </a:p>
-        </p:txBody>
-      </p:sp>
-      <p:sp>
-        <p:nvSpPr>
-          <p:cNvPr id="7" name="Прямоугольник 6"/>
-          <p:cNvSpPr/>
-          <p:nvPr/>
-        </p:nvSpPr>
-        <p:spPr>
-          <a:xfrm>
-            <a:off x="411017" y="1061407"/>
-            <a:ext cx="6664037" cy="5355312"/>
-          </a:xfrm>
-          <a:prstGeom prst="rect">
-            <a:avLst/>
-          </a:prstGeom>
-        </p:spPr>
-        <p:txBody>
-          <a:bodyPr wrap="square">
-            <a:spAutoFit/>
-          </a:bodyPr>
-          <a:lstStyle/>
-          <a:p>
-            <a:r>
-              <a:rPr lang="en-US" dirty="0"/>
-              <a:t>pie(B, main="My </a:t>
-            </a:r>
-            <a:r>
-              <a:rPr lang="en-US" dirty="0" err="1"/>
-              <a:t>Piechart</a:t>
-            </a:r>
-            <a:r>
-              <a:rPr lang="en-US" dirty="0"/>
-              <a:t>", col=rainbow(length(B)),</a:t>
-            </a:r>
-          </a:p>
-          <a:p>
-            <a:r>
-              <a:rPr lang="en-US" dirty="0"/>
-              <a:t>labels=c("</a:t>
-            </a:r>
-            <a:r>
-              <a:rPr lang="en-US" dirty="0" err="1"/>
-              <a:t>Mon","Tue","Wed","Thu","Fri","Sat","Sun</a:t>
-            </a:r>
-            <a:r>
-              <a:rPr lang="en-US" dirty="0" smtClean="0"/>
-              <a:t>"))</a:t>
-            </a:r>
-            <a:endParaRPr lang="ru-RU" dirty="0" smtClean="0"/>
-          </a:p>
-          <a:p>
-            <a:r>
-              <a:rPr lang="en-US" dirty="0"/>
-              <a:t>legend("</a:t>
-            </a:r>
-            <a:r>
-              <a:rPr lang="en-US" dirty="0" err="1"/>
-              <a:t>topright</a:t>
-            </a:r>
-            <a:r>
-              <a:rPr lang="en-US" dirty="0"/>
-              <a:t>", c("</a:t>
-            </a:r>
-            <a:r>
-              <a:rPr lang="en-US" dirty="0" err="1"/>
-              <a:t>Mon","Tue","Wed","Thu","Fri","Sat","Sun</a:t>
-            </a:r>
-            <a:r>
-              <a:rPr lang="en-US" dirty="0"/>
-              <a:t>"), </a:t>
-            </a:r>
-            <a:r>
-              <a:rPr lang="en-US" dirty="0" err="1"/>
-              <a:t>cex</a:t>
-            </a:r>
-            <a:r>
-              <a:rPr lang="en-US" dirty="0"/>
-              <a:t>=0.8, fill=cols)</a:t>
-            </a:r>
-            <a:endParaRPr lang="ru-RU" dirty="0" smtClean="0"/>
-          </a:p>
-          <a:p>
-            <a:r>
-              <a:rPr lang="ru-RU" dirty="0" smtClean="0"/>
-              <a:t>--------------------------------------------------------------------------------------------</a:t>
-            </a:r>
-            <a:endParaRPr lang="ru-RU" dirty="0"/>
-          </a:p>
-          <a:p>
-            <a:endParaRPr lang="ru-RU" dirty="0" smtClean="0"/>
-          </a:p>
-          <a:p>
-            <a:r>
-              <a:rPr lang="en-US" dirty="0" err="1" smtClean="0"/>
-              <a:t>bp</a:t>
-            </a:r>
-            <a:r>
-              <a:rPr lang="en-US" dirty="0"/>
-              <a:t>&lt;-</a:t>
-            </a:r>
-            <a:r>
-              <a:rPr lang="en-US" dirty="0" err="1" smtClean="0"/>
-              <a:t>ggplot</a:t>
-            </a:r>
-            <a:r>
-              <a:rPr lang="en-US" dirty="0" smtClean="0"/>
-              <a:t>(</a:t>
-            </a:r>
-            <a:r>
-              <a:rPr lang="en-US" dirty="0" err="1" smtClean="0"/>
-              <a:t>df</a:t>
-            </a:r>
-            <a:r>
-              <a:rPr lang="en-US" dirty="0"/>
-              <a:t>, </a:t>
-            </a:r>
-            <a:r>
-              <a:rPr lang="en-US" dirty="0" err="1"/>
-              <a:t>aes</a:t>
-            </a:r>
-            <a:r>
-              <a:rPr lang="en-US" dirty="0"/>
-              <a:t>(x="", y=value, fill=group))+ </a:t>
-            </a:r>
-            <a:r>
-              <a:rPr lang="en-US" dirty="0" err="1"/>
-              <a:t>geom_bar</a:t>
-            </a:r>
-            <a:r>
-              <a:rPr lang="en-US" dirty="0"/>
-              <a:t>(width = 1, stat = "identity</a:t>
-            </a:r>
-            <a:r>
-              <a:rPr lang="en-US" dirty="0" smtClean="0"/>
-              <a:t>")</a:t>
-            </a:r>
-            <a:endParaRPr lang="ru-RU" dirty="0" smtClean="0"/>
-          </a:p>
-          <a:p>
-            <a:endParaRPr lang="ru-RU" dirty="0"/>
-          </a:p>
-          <a:p>
-            <a:r>
-              <a:rPr lang="en-US" dirty="0"/>
-              <a:t>pie &lt;- </a:t>
-            </a:r>
-            <a:r>
-              <a:rPr lang="en-US" dirty="0" err="1"/>
-              <a:t>bp</a:t>
-            </a:r>
-            <a:r>
-              <a:rPr lang="en-US" dirty="0"/>
-              <a:t> + </a:t>
-            </a:r>
-            <a:r>
-              <a:rPr lang="en-US" dirty="0" err="1"/>
-              <a:t>coord_polar</a:t>
-            </a:r>
-            <a:r>
-              <a:rPr lang="en-US" dirty="0"/>
-              <a:t>("y", start=0</a:t>
-            </a:r>
-            <a:r>
-              <a:rPr lang="en-US" dirty="0" smtClean="0"/>
-              <a:t>)</a:t>
-            </a:r>
-            <a:endParaRPr lang="ru-RU" dirty="0" smtClean="0"/>
-          </a:p>
-          <a:p>
-            <a:endParaRPr lang="ru-RU" dirty="0"/>
-          </a:p>
-          <a:p>
-            <a:r>
-              <a:rPr lang="ru-RU" dirty="0" smtClean="0"/>
-              <a:t>Разные цветовые палитры:</a:t>
-            </a:r>
-          </a:p>
-          <a:p>
-            <a:r>
-              <a:rPr lang="en-US" i="1" dirty="0" err="1"/>
-              <a:t>scale_fill_manual</a:t>
-            </a:r>
-            <a:r>
-              <a:rPr lang="en-US" i="1" dirty="0"/>
-              <a:t>()</a:t>
-            </a:r>
-            <a:r>
-              <a:rPr lang="en-US" dirty="0"/>
-              <a:t> : to use custom colors</a:t>
-            </a:r>
-          </a:p>
-          <a:p>
-            <a:r>
-              <a:rPr lang="en-US" i="1" dirty="0" err="1"/>
-              <a:t>scale_fill_brewer</a:t>
-            </a:r>
-            <a:r>
-              <a:rPr lang="en-US" i="1" dirty="0"/>
-              <a:t>()</a:t>
-            </a:r>
-            <a:r>
-              <a:rPr lang="en-US" dirty="0"/>
-              <a:t> : to use color palettes from </a:t>
-            </a:r>
-            <a:endParaRPr lang="ru-RU" dirty="0" smtClean="0"/>
-          </a:p>
-          <a:p>
-            <a:r>
-              <a:rPr lang="ru-RU" i="1" dirty="0"/>
-              <a:t>	</a:t>
-            </a:r>
-            <a:r>
-              <a:rPr lang="ru-RU" i="1" dirty="0" smtClean="0"/>
-              <a:t>	</a:t>
-            </a:r>
-            <a:r>
-              <a:rPr lang="en-US" i="1" dirty="0" err="1" smtClean="0"/>
-              <a:t>RColorBrewer</a:t>
-            </a:r>
-            <a:r>
-              <a:rPr lang="en-US" dirty="0"/>
-              <a:t> package</a:t>
-            </a:r>
-          </a:p>
-          <a:p>
-            <a:r>
-              <a:rPr lang="en-US" i="1" dirty="0" err="1"/>
-              <a:t>scale_fill_grey</a:t>
-            </a:r>
-            <a:r>
-              <a:rPr lang="en-US" i="1" dirty="0"/>
-              <a:t>()</a:t>
-            </a:r>
-            <a:r>
-              <a:rPr lang="en-US" dirty="0"/>
-              <a:t> : to use grey color palettes</a:t>
-            </a:r>
-          </a:p>
-          <a:p>
-            <a:endParaRPr lang="ru-RU" dirty="0" smtClean="0"/>
-          </a:p>
-          <a:p>
-            <a:endParaRPr lang="ru-RU" dirty="0"/>
-          </a:p>
-          <a:p>
-            <a:endParaRPr lang="en-US" dirty="0"/>
-          </a:p>
-        </p:txBody>
-      </p:sp>
-      <p:sp>
-        <p:nvSpPr>
-          <p:cNvPr id="11" name="Rectangle 3"/>
-          <p:cNvSpPr>
-            <a:spLocks noChangeArrowheads="1"/>
-          </p:cNvSpPr>
-          <p:nvPr/>
-        </p:nvSpPr>
-        <p:spPr bwMode="auto">
-          <a:xfrm>
-            <a:off x="2797175" y="1828800"/>
-            <a:ext cx="9144000" cy="0"/>
-          </a:xfrm>
-          <a:prstGeom prst="rect">
-            <a:avLst/>
-          </a:prstGeom>
-          <a:noFill/>
-          <a:ln>
-            <a:noFill/>
-          </a:ln>
-          <a:effectLst/>
-          <a:extLst>
-            <a:ext uri="{909E8E84-426E-40DD-AFC4-6F175D3DCCD1}">
-              <a14:hiddenFill xmlns:a14="http://schemas.microsoft.com/office/drawing/2010/main">
-                <a:solidFill>
-                  <a:schemeClr val="accent1"/>
-                </a:solidFill>
-              </a14:hiddenFill>
-            </a:ext>
-            <a:ext uri="{91240B29-F687-4F45-9708-019B960494DF}">
-              <a14:hiddenLine xmlns:a14="http://schemas.microsoft.com/office/drawing/2010/main" w="9525">
-                <a:solidFill>
-                  <a:schemeClr val="tx1"/>
-                </a:solidFill>
-                <a:miter lim="800000"/>
-                <a:headEnd/>
-                <a:tailEnd/>
-              </a14:hiddenLine>
-            </a:ext>
-            <a:ext uri="{AF507438-7753-43E0-B8FC-AC1667EBCBE1}">
-              <a14:hiddenEffects xmlns:a14="http://schemas.microsoft.com/office/drawing/2010/main">
-                <a:effectLst>
-                  <a:outerShdw dist="35921" dir="2700000" algn="ctr" rotWithShape="0">
-                    <a:schemeClr val="bg2"/>
-                  </a:outerShdw>
-                </a:effectLst>
-              </a14:hiddenEffects>
-            </a:ext>
-          </a:extLst>
-        </p:spPr>
-        <p:txBody>
-          <a:bodyPr vert="horz" wrap="none" lIns="91440" tIns="45720" rIns="91440" bIns="45720" numCol="1" anchor="ctr" anchorCtr="0" compatLnSpc="1">
-            <a:prstTxWarp prst="textNoShape">
-              <a:avLst/>
-            </a:prstTxWarp>
-            <a:spAutoFit/>
-          </a:bodyPr>
-          <a:lstStyle/>
-          <a:p>
-            <a:pPr marL="0" marR="0" lvl="0" indent="0" algn="l" defTabSz="914400" rtl="0" eaLnBrk="0" fontAlgn="base" latinLnBrk="0" hangingPunct="0">
-              <a:lnSpc>
-                <a:spcPct val="100000"/>
-              </a:lnSpc>
-              <a:spcBef>
-                <a:spcPct val="0"/>
-              </a:spcBef>
-              <a:spcAft>
-                <a:spcPct val="0"/>
-              </a:spcAft>
-              <a:buClrTx/>
-              <a:buSzTx/>
-              <a:buFontTx/>
-              <a:buNone/>
-              <a:tabLst/>
-            </a:pPr>
-            <a:r>
-              <a:rPr kumimoji="0" lang="en-US" altLang="en-US" sz="1800" b="0" i="0" u="none" strike="noStrike" cap="none" normalizeH="0" baseline="0" smtClean="0">
-                <a:ln>
-                  <a:noFill/>
-                </a:ln>
-                <a:solidFill>
-                  <a:schemeClr val="tx1"/>
-                </a:solidFill>
-                <a:effectLst/>
-                <a:latin typeface="Arial" panose="020B0604020202020204" pitchFamily="34" charset="0"/>
-              </a:rPr>
-              <a:t/>
-            </a:r>
-            <a:br>
-              <a:rPr kumimoji="0" lang="en-US" altLang="en-US" sz="1800" b="0" i="0" u="none" strike="noStrike" cap="none" normalizeH="0" baseline="0" smtClean="0">
-                <a:ln>
-                  <a:noFill/>
-                </a:ln>
-                <a:solidFill>
-                  <a:schemeClr val="tx1"/>
-                </a:solidFill>
-                <a:effectLst/>
-                <a:latin typeface="Arial" panose="020B0604020202020204" pitchFamily="34" charset="0"/>
-              </a:rPr>
-            </a:br>
-            <a:endParaRPr kumimoji="0" lang="en-US" altLang="en-US" sz="1800" b="0" i="0" u="none" strike="noStrike" cap="none" normalizeH="0" baseline="0" smtClean="0">
-              <a:ln>
-                <a:noFill/>
-              </a:ln>
-              <a:solidFill>
-                <a:schemeClr val="tx1"/>
-              </a:solidFill>
-              <a:effectLst/>
-              <a:latin typeface="Arial" panose="020B0604020202020204" pitchFamily="34" charset="0"/>
-            </a:endParaRPr>
-          </a:p>
-        </p:txBody>
-      </p:sp>
-      <p:pic>
-        <p:nvPicPr>
-          <p:cNvPr id="1027" name="Picture 3" descr="image002"/>
-          <p:cNvPicPr>
-            <a:picLocks noChangeAspect="1" noChangeArrowheads="1"/>
-          </p:cNvPicPr>
-          <p:nvPr/>
-        </p:nvPicPr>
-        <p:blipFill>
-          <a:blip r:embed="rId3">
-            <a:extLst>
-              <a:ext uri="{28A0092B-C50C-407E-A947-70E740481C1C}">
-                <a14:useLocalDpi xmlns:a14="http://schemas.microsoft.com/office/drawing/2010/main" val="0"/>
-              </a:ext>
-            </a:extLst>
-          </a:blip>
-          <a:srcRect/>
-          <a:stretch>
-            <a:fillRect/>
-          </a:stretch>
-        </p:blipFill>
-        <p:spPr bwMode="auto">
-          <a:xfrm>
-            <a:off x="6858000" y="1061407"/>
-            <a:ext cx="2286000" cy="2409826"/>
-          </a:xfrm>
-          <a:prstGeom prst="rect">
-            <a:avLst/>
-          </a:prstGeom>
-          <a:noFill/>
-          <a:extLst>
-            <a:ext uri="{909E8E84-426E-40DD-AFC4-6F175D3DCCD1}">
-              <a14:hiddenFill xmlns:a14="http://schemas.microsoft.com/office/drawing/2010/main">
-                <a:solidFill>
-                  <a:srgbClr val="FFFFFF"/>
-                </a:solidFill>
-              </a14:hiddenFill>
-            </a:ext>
-          </a:extLst>
-        </p:spPr>
-      </p:pic>
-      <p:pic>
-        <p:nvPicPr>
-          <p:cNvPr id="1029" name="Picture 5" descr="ggplot2 pie chart for data visualization in R software"/>
-          <p:cNvPicPr>
-            <a:picLocks noChangeAspect="1" noChangeArrowheads="1"/>
-          </p:cNvPicPr>
-          <p:nvPr/>
-        </p:nvPicPr>
-        <p:blipFill>
-          <a:blip r:embed="rId4">
-            <a:extLst>
-              <a:ext uri="{28A0092B-C50C-407E-A947-70E740481C1C}">
-                <a14:useLocalDpi xmlns:a14="http://schemas.microsoft.com/office/drawing/2010/main" val="0"/>
-              </a:ext>
-            </a:extLst>
-          </a:blip>
-          <a:srcRect/>
-          <a:stretch>
-            <a:fillRect/>
-          </a:stretch>
-        </p:blipFill>
-        <p:spPr bwMode="auto">
-          <a:xfrm>
-            <a:off x="5789757" y="4088879"/>
-            <a:ext cx="3354243" cy="2515682"/>
-          </a:xfrm>
-          <a:prstGeom prst="rect">
-            <a:avLst/>
-          </a:prstGeom>
-          <a:noFill/>
-          <a:extLst>
-            <a:ext uri="{909E8E84-426E-40DD-AFC4-6F175D3DCCD1}">
-              <a14:hiddenFill xmlns:a14="http://schemas.microsoft.com/office/drawing/2010/main">
-                <a:solidFill>
-                  <a:srgbClr val="FFFFFF"/>
-                </a:solidFill>
-              </a14:hiddenFill>
-            </a:ext>
-          </a:extLst>
-        </p:spPr>
-      </p:pic>
-    </p:spTree>
-    <p:extLst>
-      <p:ext uri="{BB962C8B-B14F-4D97-AF65-F5344CB8AC3E}">
-        <p14:creationId xmlns:p14="http://schemas.microsoft.com/office/powerpoint/2010/main" val="2556036948"/>
-      </p:ext>
-    </p:extLst>
-  </p:cSld>
-  <p:clrMapOvr>
-    <a:masterClrMapping/>
-  </p:clrMapOvr>
-  <p:timing>
-    <p:tnLst>
-      <p:par>
-        <p:cTn id="1" dur="indefinite" restart="never" nodeType="tmRoot"/>
-      </p:par>
-    </p:tnLst>
-  </p:timing>
-</p:sld>
-</file>
-
-<file path=ppt/slides/slide4.xml><?xml version="1.0" encoding="utf-8"?>
-<p:sld xmlns:a="http://schemas.openxmlformats.org/drawingml/2006/main" xmlns:r="http://schemas.openxmlformats.org/officeDocument/2006/relationships" xmlns:p="http://schemas.openxmlformats.org/presentationml/2006/main">
-  <p:cSld>
-    <p:spTree>
-      <p:nvGrpSpPr>
-        <p:cNvPr id="1" name=""/>
-        <p:cNvGrpSpPr/>
-        <p:nvPr/>
-      </p:nvGrpSpPr>
-      <p:grpSpPr>
-        <a:xfrm>
-          <a:off x="0" y="0"/>
-          <a:ext cx="0" cy="0"/>
-          <a:chOff x="0" y="0"/>
-          <a:chExt cx="0" cy="0"/>
-        </a:xfrm>
-      </p:grpSpPr>
-      <p:grpSp>
-        <p:nvGrpSpPr>
-          <p:cNvPr id="9" name="Группа 8"/>
-          <p:cNvGrpSpPr/>
-          <p:nvPr/>
-        </p:nvGrpSpPr>
-        <p:grpSpPr>
-          <a:xfrm>
-            <a:off x="240030" y="759941"/>
-            <a:ext cx="8583930" cy="83408"/>
-            <a:chOff x="240030" y="759941"/>
-            <a:chExt cx="8583930" cy="83408"/>
-          </a:xfrm>
-        </p:grpSpPr>
-        <p:cxnSp>
-          <p:nvCxnSpPr>
-            <p:cNvPr id="2" name="Прямая соединительная линия 1"/>
-            <p:cNvCxnSpPr/>
-            <p:nvPr/>
-          </p:nvCxnSpPr>
-          <p:spPr>
-            <a:xfrm>
-              <a:off x="560070" y="759941"/>
-              <a:ext cx="8263890" cy="0"/>
-            </a:xfrm>
-            <a:prstGeom prst="line">
-              <a:avLst/>
-            </a:prstGeom>
-            <a:ln w="76200" cap="flat" cmpd="sng" algn="ctr">
-              <a:solidFill>
-                <a:srgbClr val="0064B5"/>
-              </a:solidFill>
-              <a:prstDash val="solid"/>
-              <a:round/>
-              <a:headEnd type="none" w="med" len="sm"/>
-              <a:tailEnd type="none" w="med" len="sm"/>
-            </a:ln>
-          </p:spPr>
-          <p:style>
-            <a:lnRef idx="1">
-              <a:schemeClr val="accent1"/>
-            </a:lnRef>
-            <a:fillRef idx="0">
-              <a:schemeClr val="accent1"/>
-            </a:fillRef>
-            <a:effectRef idx="0">
-              <a:schemeClr val="accent1"/>
-            </a:effectRef>
-            <a:fontRef idx="minor">
-              <a:schemeClr val="tx1"/>
-            </a:fontRef>
-          </p:style>
-        </p:cxnSp>
-        <p:cxnSp>
-          <p:nvCxnSpPr>
-            <p:cNvPr id="3" name="Прямая соединительная линия 2"/>
-            <p:cNvCxnSpPr/>
-            <p:nvPr/>
-          </p:nvCxnSpPr>
-          <p:spPr>
-            <a:xfrm>
-              <a:off x="240030" y="843349"/>
-              <a:ext cx="8286750" cy="0"/>
-            </a:xfrm>
-            <a:prstGeom prst="line">
-              <a:avLst/>
-            </a:prstGeom>
-            <a:ln w="76200" cap="flat" cmpd="sng" algn="ctr">
-              <a:solidFill>
-                <a:srgbClr val="F5A200"/>
-              </a:solidFill>
-              <a:prstDash val="solid"/>
-              <a:round/>
-              <a:headEnd type="none" w="med" len="sm"/>
-              <a:tailEnd type="none" w="med" len="sm"/>
-            </a:ln>
-          </p:spPr>
-          <p:style>
-            <a:lnRef idx="1">
-              <a:schemeClr val="accent1"/>
-            </a:lnRef>
-            <a:fillRef idx="0">
-              <a:schemeClr val="accent1"/>
-            </a:fillRef>
-            <a:effectRef idx="0">
-              <a:schemeClr val="accent1"/>
-            </a:effectRef>
-            <a:fontRef idx="minor">
-              <a:schemeClr val="tx1"/>
-            </a:fontRef>
-          </p:style>
-        </p:cxnSp>
-      </p:grpSp>
-      <p:sp>
-        <p:nvSpPr>
-          <p:cNvPr id="5" name="TextBox 4"/>
-          <p:cNvSpPr txBox="1"/>
-          <p:nvPr/>
-        </p:nvSpPr>
-        <p:spPr>
-          <a:xfrm>
-            <a:off x="491506" y="135310"/>
-            <a:ext cx="8504712" cy="629326"/>
-          </a:xfrm>
-          <a:prstGeom prst="rect">
-            <a:avLst/>
-          </a:prstGeom>
-          <a:noFill/>
-        </p:spPr>
-        <p:txBody>
-          <a:bodyPr vert="horz" wrap="square" lIns="74600" tIns="37300" rIns="74600" bIns="37300" rtlCol="0">
-            <a:spAutoFit/>
-          </a:bodyPr>
-          <a:lstStyle/>
-          <a:p>
-            <a:r>
-              <a:rPr lang="ru-RU" sz="3600" b="1" dirty="0" smtClean="0">
-                <a:solidFill>
-                  <a:srgbClr val="0064B5"/>
-                </a:solidFill>
-                <a:latin typeface="Arial" pitchFamily="34" charset="0"/>
-                <a:cs typeface="Arial" pitchFamily="34" charset="0"/>
-              </a:rPr>
-              <a:t>Заполнение пропусков</a:t>
-            </a:r>
-            <a:endParaRPr lang="ru-RU" sz="3600" b="1" dirty="0">
-              <a:solidFill>
-                <a:srgbClr val="0064B5"/>
-              </a:solidFill>
-              <a:latin typeface="Arial" pitchFamily="34" charset="0"/>
-              <a:cs typeface="Arial" pitchFamily="34" charset="0"/>
-            </a:endParaRPr>
-          </a:p>
-        </p:txBody>
-      </p:sp>
-      <p:sp>
-        <p:nvSpPr>
-          <p:cNvPr id="8" name="Прямоугольник 7"/>
-          <p:cNvSpPr/>
-          <p:nvPr/>
-        </p:nvSpPr>
-        <p:spPr>
-          <a:xfrm>
-            <a:off x="678872" y="1147726"/>
-            <a:ext cx="8317345" cy="4524315"/>
-          </a:xfrm>
-          <a:prstGeom prst="rect">
-            <a:avLst/>
-          </a:prstGeom>
-        </p:spPr>
-        <p:txBody>
-          <a:bodyPr wrap="square">
-            <a:spAutoFit/>
-          </a:bodyPr>
-          <a:lstStyle/>
-          <a:p>
-            <a:r>
-              <a:rPr lang="uk-UA" dirty="0"/>
-              <a:t># список строк, в </a:t>
-            </a:r>
-            <a:r>
-              <a:rPr lang="uk-UA" dirty="0" err="1"/>
-              <a:t>которых</a:t>
-            </a:r>
-            <a:r>
-              <a:rPr lang="uk-UA" dirty="0"/>
-              <a:t> </a:t>
-            </a:r>
-            <a:r>
-              <a:rPr lang="uk-UA" dirty="0" err="1"/>
-              <a:t>нет</a:t>
-            </a:r>
-            <a:r>
-              <a:rPr lang="uk-UA" dirty="0"/>
-              <a:t> </a:t>
-            </a:r>
-            <a:r>
-              <a:rPr lang="uk-UA" dirty="0" err="1"/>
-              <a:t>пропущенных</a:t>
-            </a:r>
-            <a:r>
-              <a:rPr lang="uk-UA" dirty="0"/>
-              <a:t> значений </a:t>
-            </a:r>
-            <a:endParaRPr lang="uk-UA" dirty="0" smtClean="0"/>
-          </a:p>
-          <a:p>
-            <a:r>
-              <a:rPr lang="en-US" dirty="0" err="1" smtClean="0"/>
-              <a:t>df</a:t>
-            </a:r>
-            <a:r>
-              <a:rPr lang="en-US" dirty="0" smtClean="0"/>
-              <a:t>[</a:t>
-            </a:r>
-            <a:r>
-              <a:rPr lang="en-US" dirty="0" err="1" smtClean="0"/>
-              <a:t>complete.cases</a:t>
-            </a:r>
-            <a:r>
-              <a:rPr lang="en-US" dirty="0" smtClean="0"/>
-              <a:t>(</a:t>
-            </a:r>
-            <a:r>
-              <a:rPr lang="en-US" dirty="0" err="1" smtClean="0"/>
-              <a:t>df</a:t>
-            </a:r>
-            <a:r>
-              <a:rPr lang="en-US" dirty="0" smtClean="0"/>
-              <a:t>),] </a:t>
-            </a:r>
-            <a:endParaRPr lang="ru-RU" dirty="0" smtClean="0"/>
-          </a:p>
-          <a:p>
-            <a:r>
-              <a:rPr lang="en-US" dirty="0" smtClean="0"/>
-              <a:t># </a:t>
-            </a:r>
-            <a:r>
-              <a:rPr lang="uk-UA" dirty="0"/>
-              <a:t>список строк, в </a:t>
-            </a:r>
-            <a:r>
-              <a:rPr lang="uk-UA" dirty="0" err="1"/>
-              <a:t>которых</a:t>
-            </a:r>
-            <a:r>
-              <a:rPr lang="uk-UA" dirty="0"/>
-              <a:t> </a:t>
-            </a:r>
-            <a:r>
-              <a:rPr lang="uk-UA" dirty="0" err="1"/>
-              <a:t>хотя</a:t>
-            </a:r>
-            <a:r>
-              <a:rPr lang="uk-UA" dirty="0"/>
-              <a:t> </a:t>
-            </a:r>
-            <a:r>
-              <a:rPr lang="uk-UA" dirty="0" err="1"/>
-              <a:t>бы</a:t>
-            </a:r>
-            <a:r>
-              <a:rPr lang="uk-UA" dirty="0"/>
-              <a:t> одно </a:t>
-            </a:r>
-            <a:r>
-              <a:rPr lang="uk-UA" dirty="0" err="1"/>
-              <a:t>пропущенное</a:t>
-            </a:r>
-            <a:r>
-              <a:rPr lang="uk-UA" dirty="0"/>
-              <a:t> </a:t>
-            </a:r>
-            <a:r>
-              <a:rPr lang="uk-UA" dirty="0" err="1"/>
-              <a:t>значение</a:t>
-            </a:r>
-            <a:r>
-              <a:rPr lang="uk-UA" dirty="0"/>
-              <a:t> </a:t>
-            </a:r>
-            <a:r>
-              <a:rPr lang="en-US" dirty="0" err="1" smtClean="0"/>
-              <a:t>df</a:t>
-            </a:r>
-            <a:r>
-              <a:rPr lang="en-US" dirty="0" smtClean="0"/>
-              <a:t>[!</a:t>
-            </a:r>
-            <a:r>
-              <a:rPr lang="en-US" dirty="0" err="1" smtClean="0"/>
-              <a:t>complete.cases</a:t>
-            </a:r>
-            <a:r>
-              <a:rPr lang="en-US" dirty="0" smtClean="0"/>
-              <a:t>(</a:t>
-            </a:r>
-            <a:r>
-              <a:rPr lang="en-US" dirty="0" err="1" smtClean="0"/>
-              <a:t>df</a:t>
-            </a:r>
-            <a:r>
-              <a:rPr lang="en-US" dirty="0" smtClean="0"/>
-              <a:t>),] </a:t>
-            </a:r>
-            <a:endParaRPr lang="ru-RU" dirty="0" smtClean="0"/>
-          </a:p>
-          <a:p>
-            <a:endParaRPr lang="en-US" dirty="0" smtClean="0"/>
-          </a:p>
-          <a:p>
-            <a:r>
-              <a:rPr lang="en-US" dirty="0"/>
-              <a:t>library(mice)</a:t>
-            </a:r>
-            <a:endParaRPr lang="en-US" dirty="0" smtClean="0"/>
-          </a:p>
-          <a:p>
-            <a:r>
-              <a:rPr lang="en-US" dirty="0" smtClean="0"/>
-              <a:t>#</a:t>
-            </a:r>
-            <a:r>
-              <a:rPr lang="ru-RU" dirty="0" smtClean="0"/>
-              <a:t>описательная статистика</a:t>
-            </a:r>
-            <a:endParaRPr lang="ru-RU" dirty="0"/>
-          </a:p>
-          <a:p>
-            <a:r>
-              <a:rPr lang="en-US" dirty="0" err="1" smtClean="0"/>
-              <a:t>md.pattern</a:t>
-            </a:r>
-            <a:r>
-              <a:rPr lang="en-US" dirty="0" smtClean="0"/>
-              <a:t>(</a:t>
-            </a:r>
-            <a:r>
-              <a:rPr lang="en-US" dirty="0" err="1" smtClean="0"/>
-              <a:t>df</a:t>
-            </a:r>
-            <a:r>
-              <a:rPr lang="en-US" dirty="0" smtClean="0"/>
-              <a:t>) </a:t>
-            </a:r>
-            <a:endParaRPr lang="ru-RU" dirty="0" smtClean="0"/>
-          </a:p>
-          <a:p>
-            <a:r>
-              <a:rPr lang="en-US" dirty="0" err="1" smtClean="0"/>
-              <a:t>matrixplot</a:t>
-            </a:r>
-            <a:r>
-              <a:rPr lang="en-US" dirty="0" smtClean="0"/>
-              <a:t>(</a:t>
-            </a:r>
-            <a:r>
-              <a:rPr lang="en-US" dirty="0" err="1" smtClean="0"/>
-              <a:t>df</a:t>
-            </a:r>
-            <a:r>
-              <a:rPr lang="en-US" dirty="0" smtClean="0"/>
-              <a:t>)</a:t>
-            </a:r>
-            <a:endParaRPr lang="ru-RU" dirty="0" smtClean="0"/>
-          </a:p>
-          <a:p>
-            <a:endParaRPr lang="ru-RU" dirty="0"/>
-          </a:p>
-          <a:p>
-            <a:r>
-              <a:rPr lang="en-US" dirty="0" smtClean="0"/>
-              <a:t>#</a:t>
-            </a:r>
-            <a:r>
-              <a:rPr lang="ru-RU" dirty="0" smtClean="0"/>
-              <a:t>метод заполнения</a:t>
-            </a:r>
-          </a:p>
-          <a:p>
-            <a:r>
-              <a:rPr lang="en-US" dirty="0"/>
-              <a:t>imp &lt;- </a:t>
-            </a:r>
-            <a:r>
-              <a:rPr lang="en-US" dirty="0" smtClean="0"/>
-              <a:t>mice(</a:t>
-            </a:r>
-            <a:r>
-              <a:rPr lang="en-US" dirty="0" err="1" smtClean="0"/>
-              <a:t>df</a:t>
-            </a:r>
-            <a:r>
-              <a:rPr lang="en-US" dirty="0" smtClean="0"/>
-              <a:t>, 5, seed=1234</a:t>
-            </a:r>
-            <a:r>
-              <a:rPr lang="en-US" dirty="0"/>
-              <a:t>) </a:t>
-            </a:r>
-            <a:r>
-              <a:rPr lang="en-US" dirty="0" smtClean="0"/>
-              <a:t>#method </a:t>
-            </a:r>
-            <a:r>
-              <a:rPr lang="ru-RU" dirty="0" smtClean="0"/>
-              <a:t>– параметр метода</a:t>
-            </a:r>
-          </a:p>
-          <a:p>
-            <a:r>
-              <a:rPr lang="en-US" dirty="0" smtClean="0"/>
-              <a:t>fit </a:t>
-            </a:r>
-            <a:r>
-              <a:rPr lang="en-US" dirty="0"/>
-              <a:t>&lt;- with(imp, </a:t>
-            </a:r>
-            <a:r>
-              <a:rPr lang="en-US" dirty="0" smtClean="0"/>
-              <a:t>analysis) </a:t>
-            </a:r>
-            <a:endParaRPr lang="ru-RU" dirty="0" smtClean="0"/>
-          </a:p>
-          <a:p>
-            <a:r>
-              <a:rPr lang="en-US" dirty="0" smtClean="0"/>
-              <a:t>Polled &lt;- pool(fit</a:t>
-            </a:r>
-            <a:r>
-              <a:rPr lang="en-US" dirty="0"/>
-              <a:t>) </a:t>
-            </a:r>
-            <a:endParaRPr lang="en-US" dirty="0" smtClean="0"/>
-          </a:p>
-          <a:p>
-            <a:r>
-              <a:rPr lang="en-US" dirty="0" smtClean="0"/>
-              <a:t>summary(pooled)</a:t>
-            </a:r>
-          </a:p>
-          <a:p>
-            <a:r>
-              <a:rPr lang="en-US" dirty="0" smtClean="0"/>
-              <a:t>res &lt;- </a:t>
-            </a:r>
-            <a:r>
-              <a:rPr lang="en-US" dirty="0"/>
-              <a:t>complete(imp, action=3) </a:t>
-            </a:r>
-            <a:endParaRPr lang="ru-RU" dirty="0" smtClean="0"/>
-          </a:p>
-        </p:txBody>
-      </p:sp>
-    </p:spTree>
-    <p:extLst>
-      <p:ext uri="{BB962C8B-B14F-4D97-AF65-F5344CB8AC3E}">
-        <p14:creationId xmlns:p14="http://schemas.microsoft.com/office/powerpoint/2010/main" val="383232853"/>
-      </p:ext>
-    </p:extLst>
-  </p:cSld>
-  <p:clrMapOvr>
-    <a:masterClrMapping/>
-  </p:clrMapOvr>
-  <p:timing>
-    <p:tnLst>
-      <p:par>
-        <p:cTn id="1" dur="indefinite" restart="never" nodeType="tmRoot"/>
-      </p:par>
-    </p:tnLst>
-  </p:timing>
-</p:sld>
-</file>
-
-<file path=ppt/slides/slide5.xml><?xml version="1.0" encoding="utf-8"?>
-<p:sld xmlns:a="http://schemas.openxmlformats.org/drawingml/2006/main" xmlns:r="http://schemas.openxmlformats.org/officeDocument/2006/relationships" xmlns:p="http://schemas.openxmlformats.org/presentationml/2006/main">
-  <p:cSld>
-    <p:spTree>
-      <p:nvGrpSpPr>
-        <p:cNvPr id="1" name=""/>
-        <p:cNvGrpSpPr/>
-        <p:nvPr/>
-      </p:nvGrpSpPr>
-      <p:grpSpPr>
-        <a:xfrm>
-          <a:off x="0" y="0"/>
-          <a:ext cx="0" cy="0"/>
-          <a:chOff x="0" y="0"/>
-          <a:chExt cx="0" cy="0"/>
-        </a:xfrm>
-      </p:grpSpPr>
-      <p:grpSp>
-        <p:nvGrpSpPr>
-          <p:cNvPr id="9" name="Группа 8"/>
-          <p:cNvGrpSpPr/>
-          <p:nvPr/>
-        </p:nvGrpSpPr>
-        <p:grpSpPr>
-          <a:xfrm>
-            <a:off x="240030" y="759941"/>
-            <a:ext cx="8583930" cy="83408"/>
-            <a:chOff x="240030" y="759941"/>
-            <a:chExt cx="8583930" cy="83408"/>
-          </a:xfrm>
-        </p:grpSpPr>
-        <p:cxnSp>
-          <p:nvCxnSpPr>
-            <p:cNvPr id="2" name="Прямая соединительная линия 1"/>
-            <p:cNvCxnSpPr/>
-            <p:nvPr/>
-          </p:nvCxnSpPr>
-          <p:spPr>
-            <a:xfrm>
-              <a:off x="560070" y="759941"/>
-              <a:ext cx="8263890" cy="0"/>
-            </a:xfrm>
-            <a:prstGeom prst="line">
-              <a:avLst/>
-            </a:prstGeom>
-            <a:ln w="76200" cap="flat" cmpd="sng" algn="ctr">
-              <a:solidFill>
-                <a:srgbClr val="0064B5"/>
-              </a:solidFill>
-              <a:prstDash val="solid"/>
-              <a:round/>
-              <a:headEnd type="none" w="med" len="sm"/>
-              <a:tailEnd type="none" w="med" len="sm"/>
-            </a:ln>
-          </p:spPr>
-          <p:style>
-            <a:lnRef idx="1">
-              <a:schemeClr val="accent1"/>
-            </a:lnRef>
-            <a:fillRef idx="0">
-              <a:schemeClr val="accent1"/>
-            </a:fillRef>
-            <a:effectRef idx="0">
-              <a:schemeClr val="accent1"/>
-            </a:effectRef>
-            <a:fontRef idx="minor">
-              <a:schemeClr val="tx1"/>
-            </a:fontRef>
-          </p:style>
-        </p:cxnSp>
-        <p:cxnSp>
-          <p:nvCxnSpPr>
-            <p:cNvPr id="3" name="Прямая соединительная линия 2"/>
-            <p:cNvCxnSpPr/>
-            <p:nvPr/>
-          </p:nvCxnSpPr>
-          <p:spPr>
-            <a:xfrm>
-              <a:off x="240030" y="843349"/>
-              <a:ext cx="8286750" cy="0"/>
-            </a:xfrm>
-            <a:prstGeom prst="line">
-              <a:avLst/>
-            </a:prstGeom>
-            <a:ln w="76200" cap="flat" cmpd="sng" algn="ctr">
-              <a:solidFill>
-                <a:srgbClr val="F5A200"/>
-              </a:solidFill>
-              <a:prstDash val="solid"/>
-              <a:round/>
-              <a:headEnd type="none" w="med" len="sm"/>
-              <a:tailEnd type="none" w="med" len="sm"/>
-            </a:ln>
-          </p:spPr>
-          <p:style>
-            <a:lnRef idx="1">
-              <a:schemeClr val="accent1"/>
-            </a:lnRef>
-            <a:fillRef idx="0">
-              <a:schemeClr val="accent1"/>
-            </a:fillRef>
-            <a:effectRef idx="0">
-              <a:schemeClr val="accent1"/>
-            </a:effectRef>
-            <a:fontRef idx="minor">
-              <a:schemeClr val="tx1"/>
-            </a:fontRef>
-          </p:style>
-        </p:cxnSp>
-      </p:grpSp>
-      <p:sp>
-        <p:nvSpPr>
-          <p:cNvPr id="5" name="TextBox 4"/>
-          <p:cNvSpPr txBox="1"/>
-          <p:nvPr/>
-        </p:nvSpPr>
-        <p:spPr>
-          <a:xfrm>
-            <a:off x="491506" y="135310"/>
-            <a:ext cx="8504712" cy="629326"/>
-          </a:xfrm>
-          <a:prstGeom prst="rect">
-            <a:avLst/>
-          </a:prstGeom>
-          <a:noFill/>
-        </p:spPr>
-        <p:txBody>
-          <a:bodyPr vert="horz" wrap="square" lIns="74600" tIns="37300" rIns="74600" bIns="37300" rtlCol="0">
-            <a:spAutoFit/>
-          </a:bodyPr>
-          <a:lstStyle/>
-          <a:p>
-            <a:r>
-              <a:rPr lang="ru-RU" sz="3600" b="1" dirty="0" smtClean="0">
-                <a:solidFill>
-                  <a:srgbClr val="0064B5"/>
-                </a:solidFill>
-                <a:latin typeface="Arial" pitchFamily="34" charset="0"/>
-                <a:cs typeface="Arial" pitchFamily="34" charset="0"/>
-              </a:rPr>
-              <a:t>Задание 2</a:t>
-            </a:r>
-            <a:endParaRPr lang="ru-RU" sz="3600" b="1" dirty="0">
-              <a:solidFill>
-                <a:srgbClr val="0064B5"/>
-              </a:solidFill>
-              <a:latin typeface="Arial" pitchFamily="34" charset="0"/>
-              <a:cs typeface="Arial" pitchFamily="34" charset="0"/>
-            </a:endParaRPr>
-          </a:p>
-        </p:txBody>
-      </p:sp>
-      <p:sp>
-        <p:nvSpPr>
-          <p:cNvPr id="4" name="Прямоугольник 3"/>
-          <p:cNvSpPr/>
-          <p:nvPr/>
-        </p:nvSpPr>
-        <p:spPr>
-          <a:xfrm>
-            <a:off x="174140" y="922063"/>
-            <a:ext cx="8649820" cy="6740307"/>
-          </a:xfrm>
-          <a:prstGeom prst="rect">
-            <a:avLst/>
-          </a:prstGeom>
-        </p:spPr>
-        <p:txBody>
-          <a:bodyPr wrap="square">
-            <a:spAutoFit/>
-          </a:bodyPr>
-          <a:lstStyle/>
-          <a:p>
-            <a:pPr marL="457200" indent="-457200">
-              <a:buAutoNum type="arabicPeriod"/>
-            </a:pPr>
-            <a:r>
-              <a:rPr lang="ru-RU" sz="2400" dirty="0" smtClean="0"/>
-              <a:t>Загрузить данные из файла </a:t>
-            </a:r>
-            <a:r>
-              <a:rPr lang="en-US" sz="2400" dirty="0" smtClean="0"/>
-              <a:t>Day6-titanik.csv</a:t>
-            </a:r>
-            <a:r>
-              <a:rPr lang="ru-RU" sz="2400" dirty="0" smtClean="0"/>
-              <a:t>, ознакомиться со структурой, описание набора находится по ссылке </a:t>
-            </a:r>
-            <a:r>
-              <a:rPr lang="en-US" sz="2400" dirty="0">
-                <a:hlinkClick r:id="rId3"/>
-              </a:rPr>
-              <a:t>https://</a:t>
-            </a:r>
-            <a:r>
-              <a:rPr lang="en-US" sz="2400" dirty="0" smtClean="0">
-                <a:hlinkClick r:id="rId3"/>
-              </a:rPr>
-              <a:t>www.kaggle.com/c/titanic/data</a:t>
-            </a:r>
-            <a:endParaRPr lang="en-US" sz="2400" dirty="0"/>
-          </a:p>
-          <a:p>
-            <a:pPr marL="457200" indent="-457200">
-              <a:buAutoNum type="arabicPeriod"/>
-            </a:pPr>
-            <a:r>
-              <a:rPr lang="ru-RU" sz="2400" dirty="0" smtClean="0"/>
-              <a:t>Посчитать средний возраст выжившего пассажира.</a:t>
-            </a:r>
-            <a:endParaRPr lang="ru-RU" sz="2400" dirty="0"/>
-          </a:p>
-          <a:p>
-            <a:pPr marL="457200" indent="-457200">
-              <a:buAutoNum type="arabicPeriod"/>
-            </a:pPr>
-            <a:r>
-              <a:rPr lang="ru-RU" sz="2400" dirty="0" smtClean="0"/>
-              <a:t>Определить, распределен ли возраст умерших пассажиров по нормальному закону.</a:t>
-            </a:r>
-            <a:endParaRPr lang="ru-RU" sz="2400" dirty="0"/>
-          </a:p>
-          <a:p>
-            <a:pPr marL="457200" indent="-457200">
-              <a:buFontTx/>
-              <a:buAutoNum type="arabicPeriod"/>
-            </a:pPr>
-            <a:r>
-              <a:rPr lang="ru-RU" sz="2400" dirty="0" smtClean="0"/>
-              <a:t>В какой порт отправлялось наибольшее количество выживших пассажиров.</a:t>
-            </a:r>
-          </a:p>
-          <a:p>
-            <a:pPr marL="457200" indent="-457200">
-              <a:buFontTx/>
-              <a:buAutoNum type="arabicPeriod"/>
-            </a:pPr>
-            <a:r>
-              <a:rPr lang="ru-RU" sz="2400" dirty="0" smtClean="0"/>
-              <a:t>Построить круговую диаграмму количества пассажиров по номеру класса.</a:t>
-            </a:r>
-            <a:endParaRPr lang="en-US" sz="2400" dirty="0" smtClean="0"/>
-          </a:p>
-          <a:p>
-            <a:pPr marL="457200" indent="-457200">
-              <a:buFontTx/>
-              <a:buAutoNum type="arabicPeriod"/>
-            </a:pPr>
-            <a:r>
-              <a:rPr lang="ru-RU" sz="2400" dirty="0" smtClean="0"/>
-              <a:t>Изучить гипотезу про то, что чем старше пассажир, тем дороже он покупал билет. Объяснить решение. </a:t>
-            </a:r>
-          </a:p>
-          <a:p>
-            <a:pPr marL="457200" indent="-457200">
-              <a:buFontTx/>
-              <a:buAutoNum type="arabicPeriod"/>
-            </a:pPr>
-            <a:r>
-              <a:rPr lang="ru-RU" sz="2400" dirty="0" smtClean="0"/>
-              <a:t>Заполнить пропуски числовых данных.</a:t>
-            </a:r>
-          </a:p>
-          <a:p>
-            <a:pPr marL="457200" indent="-457200">
-              <a:buFontTx/>
-              <a:buAutoNum type="arabicPeriod"/>
-            </a:pPr>
-            <a:r>
-              <a:rPr lang="ru-RU" sz="2400" dirty="0" smtClean="0"/>
-              <a:t>Построить три кластера пассажиров по возрасту, стоимости билета и выживаемости.</a:t>
-            </a:r>
-            <a:r>
-              <a:rPr lang="en-US" sz="2400" dirty="0" smtClean="0"/>
-              <a:t> </a:t>
-            </a:r>
-            <a:r>
-              <a:rPr lang="ru-RU" sz="2400" dirty="0" smtClean="0"/>
-              <a:t>Пассажиры каких классов попали в каждый кластер (и сколько их в процентном соотношении)? </a:t>
-            </a:r>
-            <a:endParaRPr lang="en-US" sz="2400" dirty="0"/>
-          </a:p>
-          <a:p>
-            <a:pPr marL="457200" indent="-457200">
-              <a:buFontTx/>
-              <a:buAutoNum type="arabicPeriod"/>
-            </a:pPr>
-            <a:endParaRPr lang="en-US" sz="2400" dirty="0"/>
-          </a:p>
-          <a:p>
-            <a:pPr marL="457200" indent="-457200">
-              <a:buAutoNum type="arabicPeriod"/>
-            </a:pPr>
-            <a:endParaRPr lang="en-US" sz="2400" dirty="0"/>
-          </a:p>
-        </p:txBody>
-      </p:sp>
-    </p:spTree>
-    <p:extLst>
-      <p:ext uri="{BB962C8B-B14F-4D97-AF65-F5344CB8AC3E}">
-        <p14:creationId xmlns:p14="http://schemas.microsoft.com/office/powerpoint/2010/main" val="3271046892"/>
       </p:ext>
     </p:extLst>
   </p:cSld>
